--- a/04 Fourth Semester/CSE 2207_Computer Networks/Midterm/[2.2] Lecture_2.2_IP-address.pptx
+++ b/04 Fourth Semester/CSE 2207_Computer Networks/Midterm/[2.2] Lecture_2.2_IP-address.pptx
@@ -2,45 +2,45 @@
 <file path=ppt/presentation.xml><?xml version="1.0" encoding="utf-8"?>
 <p:presentation xmlns:a="http://schemas.openxmlformats.org/drawingml/2006/main" xmlns:r="http://schemas.openxmlformats.org/officeDocument/2006/relationships" xmlns:p="http://schemas.openxmlformats.org/presentationml/2006/main" saveSubsetFonts="1">
   <p:sldMasterIdLst>
-    <p:sldMasterId id="2147483649" r:id="rId3"/>
+    <p:sldMasterId id="2147483649" r:id="rId4"/>
   </p:sldMasterIdLst>
   <p:notesMasterIdLst>
-    <p:notesMasterId r:id="rId37"/>
+    <p:notesMasterId r:id="rId38"/>
   </p:notesMasterIdLst>
   <p:sldIdLst>
-    <p:sldId id="274" r:id="rId4"/>
-    <p:sldId id="275" r:id="rId5"/>
-    <p:sldId id="301" r:id="rId6"/>
-    <p:sldId id="277" r:id="rId7"/>
-    <p:sldId id="278" r:id="rId8"/>
-    <p:sldId id="384" r:id="rId9"/>
-    <p:sldId id="303" r:id="rId10"/>
-    <p:sldId id="282" r:id="rId11"/>
-    <p:sldId id="304" r:id="rId12"/>
-    <p:sldId id="379" r:id="rId13"/>
-    <p:sldId id="377" r:id="rId14"/>
-    <p:sldId id="287" r:id="rId15"/>
-    <p:sldId id="288" r:id="rId16"/>
-    <p:sldId id="289" r:id="rId17"/>
-    <p:sldId id="290" r:id="rId18"/>
-    <p:sldId id="291" r:id="rId19"/>
-    <p:sldId id="292" r:id="rId20"/>
-    <p:sldId id="293" r:id="rId21"/>
-    <p:sldId id="294" r:id="rId22"/>
-    <p:sldId id="295" r:id="rId23"/>
-    <p:sldId id="296" r:id="rId24"/>
-    <p:sldId id="305" r:id="rId25"/>
-    <p:sldId id="375" r:id="rId26"/>
-    <p:sldId id="309" r:id="rId27"/>
-    <p:sldId id="310" r:id="rId28"/>
-    <p:sldId id="311" r:id="rId29"/>
-    <p:sldId id="376" r:id="rId30"/>
-    <p:sldId id="385" r:id="rId31"/>
-    <p:sldId id="312" r:id="rId32"/>
-    <p:sldId id="380" r:id="rId33"/>
-    <p:sldId id="381" r:id="rId34"/>
-    <p:sldId id="382" r:id="rId35"/>
-    <p:sldId id="378" r:id="rId36"/>
+    <p:sldId id="274" r:id="rId5"/>
+    <p:sldId id="275" r:id="rId6"/>
+    <p:sldId id="301" r:id="rId7"/>
+    <p:sldId id="277" r:id="rId8"/>
+    <p:sldId id="278" r:id="rId9"/>
+    <p:sldId id="384" r:id="rId10"/>
+    <p:sldId id="303" r:id="rId11"/>
+    <p:sldId id="282" r:id="rId12"/>
+    <p:sldId id="304" r:id="rId13"/>
+    <p:sldId id="379" r:id="rId14"/>
+    <p:sldId id="377" r:id="rId15"/>
+    <p:sldId id="287" r:id="rId16"/>
+    <p:sldId id="288" r:id="rId17"/>
+    <p:sldId id="289" r:id="rId18"/>
+    <p:sldId id="290" r:id="rId19"/>
+    <p:sldId id="291" r:id="rId20"/>
+    <p:sldId id="292" r:id="rId21"/>
+    <p:sldId id="293" r:id="rId22"/>
+    <p:sldId id="294" r:id="rId23"/>
+    <p:sldId id="295" r:id="rId24"/>
+    <p:sldId id="296" r:id="rId25"/>
+    <p:sldId id="305" r:id="rId26"/>
+    <p:sldId id="375" r:id="rId27"/>
+    <p:sldId id="309" r:id="rId28"/>
+    <p:sldId id="310" r:id="rId29"/>
+    <p:sldId id="311" r:id="rId30"/>
+    <p:sldId id="376" r:id="rId31"/>
+    <p:sldId id="385" r:id="rId32"/>
+    <p:sldId id="312" r:id="rId33"/>
+    <p:sldId id="380" r:id="rId34"/>
+    <p:sldId id="381" r:id="rId35"/>
+    <p:sldId id="382" r:id="rId36"/>
+    <p:sldId id="378" r:id="rId37"/>
   </p:sldIdLst>
   <p:sldSz cx="9144000" cy="6858000" type="screen4x3"/>
   <p:notesSz cx="6858000" cy="9144000"/>
@@ -188,14 +188,6 @@
 </p:presentation>
 </file>
 
-<file path=ppt/revisionInfo.xml><?xml version="1.0" encoding="utf-8"?>
-<p1510:revInfo xmlns:a="http://schemas.openxmlformats.org/drawingml/2006/main" xmlns:r="http://schemas.openxmlformats.org/officeDocument/2006/relationships" xmlns:p1510="http://schemas.microsoft.com/office/powerpoint/2015/10/main">
-  <p1510:revLst>
-    <p1510:client id="{9CAB95D4-5086-40B4-83C0-6B80DE13EEA5}" v="5" dt="2020-10-15T03:57:27.853"/>
-  </p1510:revLst>
-</p1510:revInfo>
-</file>
-
 <file path=ppt/changesInfos/changesInfo1.xml><?xml version="1.0" encoding="utf-8"?>
 <pc:chgInfo xmlns:a="http://schemas.openxmlformats.org/drawingml/2006/main" xmlns:r="http://schemas.openxmlformats.org/officeDocument/2006/relationships" xmlns:ac="http://schemas.microsoft.com/office/drawing/2013/main/command" xmlns:pc="http://schemas.microsoft.com/office/powerpoint/2013/main/command">
   <pc:docChgLst>
@@ -211,14 +203,6 @@
           <pc:docMk/>
           <pc:sldMk cId="0" sldId="274"/>
         </pc:sldMkLst>
-        <pc:spChg chg="mod">
-          <ac:chgData name="Md. Nahid Hasan" userId="S::nahid@vu.edu.bd::85ea5f9e-65d6-4031-b810-9415101f2e21" providerId="AD" clId="Web-{9CAB95D4-5086-40B4-83C0-6B80DE13EEA5}" dt="2020-10-15T03:49:02.697" v="0" actId="1076"/>
-          <ac:spMkLst>
-            <pc:docMk/>
-            <pc:sldMk cId="0" sldId="274"/>
-            <ac:spMk id="4098" creationId="{891B4DBD-9C63-4A3A-B479-3A99C6AFCADF}"/>
-          </ac:spMkLst>
-        </pc:spChg>
       </pc:sldChg>
       <pc:sldChg chg="addSp delSp">
         <pc:chgData name="Md. Nahid Hasan" userId="S::nahid@vu.edu.bd::85ea5f9e-65d6-4031-b810-9415101f2e21" providerId="AD" clId="Web-{9CAB95D4-5086-40B4-83C0-6B80DE13EEA5}" dt="2020-10-15T03:57:27.853" v="4"/>
@@ -226,22 +210,6 @@
           <pc:docMk/>
           <pc:sldMk cId="0" sldId="289"/>
         </pc:sldMkLst>
-        <pc:inkChg chg="add del">
-          <ac:chgData name="Md. Nahid Hasan" userId="S::nahid@vu.edu.bd::85ea5f9e-65d6-4031-b810-9415101f2e21" providerId="AD" clId="Web-{9CAB95D4-5086-40B4-83C0-6B80DE13EEA5}" dt="2020-10-15T03:57:27.853" v="4"/>
-          <ac:inkMkLst>
-            <pc:docMk/>
-            <pc:sldMk cId="0" sldId="289"/>
-            <ac:inkMk id="2" creationId="{762C09C1-2DE9-4CD9-9356-5806623177E9}"/>
-          </ac:inkMkLst>
-        </pc:inkChg>
-        <pc:inkChg chg="add del">
-          <ac:chgData name="Md. Nahid Hasan" userId="S::nahid@vu.edu.bd::85ea5f9e-65d6-4031-b810-9415101f2e21" providerId="AD" clId="Web-{9CAB95D4-5086-40B4-83C0-6B80DE13EEA5}" dt="2020-10-15T03:57:27.853" v="3"/>
-          <ac:inkMkLst>
-            <pc:docMk/>
-            <pc:sldMk cId="0" sldId="289"/>
-            <ac:inkMk id="3" creationId="{78EE8DF0-07C2-49B8-891E-89BBADAA8925}"/>
-          </ac:inkMkLst>
-        </pc:inkChg>
       </pc:sldChg>
     </pc:docChg>
   </pc:docChgLst>
@@ -27909,6 +27877,15 @@
 </file>
 
 <file path=customXml/item1.xml><?xml version="1.0" encoding="utf-8"?>
+<?mso-contentType ?>
+<FormTemplates xmlns="http://schemas.microsoft.com/sharepoint/v3/contenttype/forms">
+  <Display>DocumentLibraryForm</Display>
+  <Edit>DocumentLibraryForm</Edit>
+  <New>DocumentLibraryForm</New>
+</FormTemplates>
+</file>
+
+<file path=customXml/item2.xml><?xml version="1.0" encoding="utf-8"?>
 <ct:contentTypeSchema xmlns:ct="http://schemas.microsoft.com/office/2006/metadata/contentType" xmlns:ma="http://schemas.microsoft.com/office/2006/metadata/properties/metaAttributes" ct:_="" ma:_="" ma:contentTypeName="Document" ma:contentTypeID="0x0101007852966F0DCB174EB292923C0D4D8D7D" ma:contentTypeVersion="3" ma:contentTypeDescription="Create a new document." ma:contentTypeScope="" ma:versionID="eeed69bd77efcfeab31f51872eacebfe">
   <xsd:schema xmlns:xsd="http://www.w3.org/2001/XMLSchema" xmlns:xs="http://www.w3.org/2001/XMLSchema" xmlns:p="http://schemas.microsoft.com/office/2006/metadata/properties" xmlns:ns2="5e5b48b9-56ea-4e7f-bbcc-91ef0f5a1608" targetNamespace="http://schemas.microsoft.com/office/2006/metadata/properties" ma:root="true" ma:fieldsID="9aef76fabd1f5519d3188a87df0e9546" ns2:_="">
     <xsd:import namespace="5e5b48b9-56ea-4e7f-bbcc-91ef0f5a1608"/>
@@ -28046,15 +28023,6 @@
 </ct:contentTypeSchema>
 </file>
 
-<file path=customXml/item2.xml><?xml version="1.0" encoding="utf-8"?>
-<?mso-contentType ?>
-<FormTemplates xmlns="http://schemas.microsoft.com/sharepoint/v3/contenttype/forms">
-  <Display>DocumentLibraryForm</Display>
-  <Edit>DocumentLibraryForm</Edit>
-  <New>DocumentLibraryForm</New>
-</FormTemplates>
-</file>
-
 <file path=customXml/item3.xml><?xml version="1.0" encoding="utf-8"?>
 <p:properties xmlns:p="http://schemas.microsoft.com/office/2006/metadata/properties" xmlns:xsi="http://www.w3.org/2001/XMLSchema-instance" xmlns:pc="http://schemas.microsoft.com/office/infopath/2007/PartnerControls">
   <documentManagement/>
@@ -28062,10 +28030,6 @@
 </file>
 
 <file path=customXml/itemProps1.xml><?xml version="1.0" encoding="utf-8"?>
-<ds:datastoreItem xmlns:ds="http://schemas.openxmlformats.org/officeDocument/2006/customXml" ds:itemID="{7564B3DA-9CF4-46B0-95FE-996DF974E135}"/>
-</file>
-
-<file path=customXml/itemProps2.xml><?xml version="1.0" encoding="utf-8"?>
 <ds:datastoreItem xmlns:ds="http://schemas.openxmlformats.org/officeDocument/2006/customXml" ds:itemID="{A9D2D75C-6707-4059-9415-A8C64AA10CAE}">
   <ds:schemaRefs>
     <ds:schemaRef ds:uri="http://schemas.microsoft.com/sharepoint/v3/contenttype/forms"/>
@@ -28073,6 +28037,29 @@
 </ds:datastoreItem>
 </file>
 
+<file path=customXml/itemProps2.xml><?xml version="1.0" encoding="utf-8"?>
+<ds:datastoreItem xmlns:ds="http://schemas.openxmlformats.org/officeDocument/2006/customXml" ds:itemID="{7564B3DA-9CF4-46B0-95FE-996DF974E135}">
+  <ds:schemaRefs>
+    <ds:schemaRef ds:uri="http://schemas.microsoft.com/office/2006/metadata/contentType"/>
+    <ds:schemaRef ds:uri="http://schemas.microsoft.com/office/2006/metadata/properties/metaAttributes"/>
+    <ds:schemaRef ds:uri="http://www.w3.org/2001/XMLSchema"/>
+    <ds:schemaRef ds:uri="http://schemas.microsoft.com/office/2006/metadata/properties"/>
+    <ds:schemaRef ds:uri="5e5b48b9-56ea-4e7f-bbcc-91ef0f5a1608"/>
+    <ds:schemaRef ds:uri="http://schemas.microsoft.com/office/2006/documentManagement/types"/>
+    <ds:schemaRef ds:uri="http://schemas.microsoft.com/office/infopath/2007/PartnerControls"/>
+    <ds:schemaRef ds:uri="http://schemas.openxmlformats.org/package/2006/metadata/core-properties"/>
+    <ds:schemaRef ds:uri="http://purl.org/dc/elements/1.1/"/>
+    <ds:schemaRef ds:uri="http://purl.org/dc/terms/"/>
+    <ds:schemaRef ds:uri="http://schemas.microsoft.com/internal/obd"/>
+  </ds:schemaRefs>
+</ds:datastoreItem>
+</file>
+
 <file path=customXml/itemProps3.xml><?xml version="1.0" encoding="utf-8"?>
-<ds:datastoreItem xmlns:ds="http://schemas.openxmlformats.org/officeDocument/2006/customXml" ds:itemID="{7E40D79A-E582-4C3D-87F7-9B198810D144}"/>
+<ds:datastoreItem xmlns:ds="http://schemas.openxmlformats.org/officeDocument/2006/customXml" ds:itemID="{7E40D79A-E582-4C3D-87F7-9B198810D144}">
+  <ds:schemaRefs>
+    <ds:schemaRef ds:uri="http://schemas.microsoft.com/office/2006/metadata/properties"/>
+    <ds:schemaRef ds:uri="http://schemas.microsoft.com/office/infopath/2007/PartnerControls"/>
+  </ds:schemaRefs>
+</ds:datastoreItem>
 </file>